--- a/pingpong_data_transport/PPT/FPGA實習期末報告.pptx
+++ b/pingpong_data_transport/PPT/FPGA實習期末報告.pptx
@@ -207,7 +207,7 @@
           <a:p>
             <a:fld id="{9501B1C6-32F2-42E0-B185-2028EC14C264}" type="datetimeFigureOut">
               <a:rPr lang="zh-TW" altLang="en-US" smtClean="0"/>
-              <a:t>2023/1/11</a:t>
+              <a:t>2023/1/20</a:t>
             </a:fld>
             <a:endParaRPr lang="zh-TW" altLang="en-US"/>
           </a:p>
@@ -607,7 +607,7 @@
           <a:p>
             <a:fld id="{ADB06261-A7F6-4D4C-976C-778BC3A60ADA}" type="datetime1">
               <a:rPr lang="zh-TW" altLang="en-US" smtClean="0"/>
-              <a:t>2023/1/11</a:t>
+              <a:t>2023/1/20</a:t>
             </a:fld>
             <a:endParaRPr lang="zh-TW" altLang="en-US"/>
           </a:p>
@@ -894,7 +894,7 @@
           <a:p>
             <a:fld id="{BFB21122-B97C-4E16-96F5-B30E247F3633}" type="datetime1">
               <a:rPr lang="zh-TW" altLang="en-US" smtClean="0"/>
-              <a:t>2023/1/11</a:t>
+              <a:t>2023/1/20</a:t>
             </a:fld>
             <a:endParaRPr lang="zh-TW" altLang="en-US"/>
           </a:p>
@@ -1086,7 +1086,7 @@
           <a:p>
             <a:fld id="{7C24D194-7992-46B4-878A-F4B419432E3E}" type="datetime1">
               <a:rPr lang="zh-TW" altLang="en-US" smtClean="0"/>
-              <a:t>2023/1/11</a:t>
+              <a:t>2023/1/20</a:t>
             </a:fld>
             <a:endParaRPr lang="zh-TW" altLang="en-US"/>
           </a:p>
@@ -1347,7 +1347,7 @@
           <a:p>
             <a:fld id="{BB796A78-72F7-48CE-8BF2-44E4001AFFE4}" type="datetime1">
               <a:rPr lang="zh-TW" altLang="en-US" smtClean="0"/>
-              <a:t>2023/1/11</a:t>
+              <a:t>2023/1/20</a:t>
             </a:fld>
             <a:endParaRPr lang="zh-TW" altLang="en-US"/>
           </a:p>
@@ -1771,7 +1771,7 @@
           <a:p>
             <a:fld id="{B69CDD5A-208F-46B2-8873-1DA65C907BB8}" type="datetime1">
               <a:rPr lang="zh-TW" altLang="en-US" smtClean="0"/>
-              <a:t>2023/1/11</a:t>
+              <a:t>2023/1/20</a:t>
             </a:fld>
             <a:endParaRPr lang="zh-TW" altLang="en-US"/>
           </a:p>
@@ -2317,7 +2317,7 @@
           <a:p>
             <a:fld id="{FD67AA04-335A-4668-B663-716E8F5904B5}" type="datetime1">
               <a:rPr lang="zh-TW" altLang="en-US" smtClean="0"/>
-              <a:t>2023/1/11</a:t>
+              <a:t>2023/1/20</a:t>
             </a:fld>
             <a:endParaRPr lang="zh-TW" altLang="en-US"/>
           </a:p>
@@ -3157,7 +3157,7 @@
           <a:p>
             <a:fld id="{E7A6D5EC-19C0-4168-B725-1D990F7E110F}" type="datetime1">
               <a:rPr lang="zh-TW" altLang="en-US" smtClean="0"/>
-              <a:t>2023/1/11</a:t>
+              <a:t>2023/1/20</a:t>
             </a:fld>
             <a:endParaRPr lang="zh-TW" altLang="en-US"/>
           </a:p>
@@ -3327,7 +3327,7 @@
           <a:p>
             <a:fld id="{8BB36381-7744-44A7-BB96-7B0E991AE450}" type="datetime1">
               <a:rPr lang="zh-TW" altLang="en-US" smtClean="0"/>
-              <a:t>2023/1/11</a:t>
+              <a:t>2023/1/20</a:t>
             </a:fld>
             <a:endParaRPr lang="zh-TW" altLang="en-US"/>
           </a:p>
@@ -3511,7 +3511,7 @@
           <a:p>
             <a:fld id="{7A9760A6-424A-4619-B8D4-6AB658733847}" type="datetime1">
               <a:rPr lang="zh-TW" altLang="en-US" smtClean="0"/>
-              <a:t>2023/1/11</a:t>
+              <a:t>2023/1/20</a:t>
             </a:fld>
             <a:endParaRPr lang="zh-TW" altLang="en-US"/>
           </a:p>
@@ -3681,7 +3681,7 @@
           <a:p>
             <a:fld id="{E1264C9A-80BA-4943-8530-98B57B954513}" type="datetime1">
               <a:rPr lang="zh-TW" altLang="en-US" smtClean="0"/>
-              <a:t>2023/1/11</a:t>
+              <a:t>2023/1/20</a:t>
             </a:fld>
             <a:endParaRPr lang="zh-TW" altLang="en-US"/>
           </a:p>
@@ -3929,7 +3929,7 @@
           <a:p>
             <a:fld id="{7DD1B24E-ED1D-4AF7-B2D6-154AF5F76FF4}" type="datetime1">
               <a:rPr lang="zh-TW" altLang="en-US" smtClean="0"/>
-              <a:t>2023/1/11</a:t>
+              <a:t>2023/1/20</a:t>
             </a:fld>
             <a:endParaRPr lang="zh-TW" altLang="en-US"/>
           </a:p>
@@ -4166,7 +4166,7 @@
           <a:p>
             <a:fld id="{64961877-AA20-46A6-9AE1-D0E3FCCF95E4}" type="datetime1">
               <a:rPr lang="zh-TW" altLang="en-US" smtClean="0"/>
-              <a:t>2023/1/11</a:t>
+              <a:t>2023/1/20</a:t>
             </a:fld>
             <a:endParaRPr lang="zh-TW" altLang="en-US"/>
           </a:p>
@@ -4539,7 +4539,7 @@
           <a:p>
             <a:fld id="{A4F80C92-3844-4C2D-AC97-558C34321240}" type="datetime1">
               <a:rPr lang="zh-TW" altLang="en-US" smtClean="0"/>
-              <a:t>2023/1/11</a:t>
+              <a:t>2023/1/20</a:t>
             </a:fld>
             <a:endParaRPr lang="zh-TW" altLang="en-US"/>
           </a:p>
@@ -4657,7 +4657,7 @@
           <a:p>
             <a:fld id="{473A115E-268B-4B7F-B273-CA4C4615AA55}" type="datetime1">
               <a:rPr lang="zh-TW" altLang="en-US" smtClean="0"/>
-              <a:t>2023/1/11</a:t>
+              <a:t>2023/1/20</a:t>
             </a:fld>
             <a:endParaRPr lang="zh-TW" altLang="en-US"/>
           </a:p>
@@ -4752,7 +4752,7 @@
           <a:p>
             <a:fld id="{4732B5DD-059D-4F2E-9D28-2B6EE1E73238}" type="datetime1">
               <a:rPr lang="zh-TW" altLang="en-US" smtClean="0"/>
-              <a:t>2023/1/11</a:t>
+              <a:t>2023/1/20</a:t>
             </a:fld>
             <a:endParaRPr lang="zh-TW" altLang="en-US"/>
           </a:p>
@@ -5003,7 +5003,7 @@
           <a:p>
             <a:fld id="{9A43FD1F-1DFC-48F9-B413-BF55F9192B13}" type="datetime1">
               <a:rPr lang="zh-TW" altLang="en-US" smtClean="0"/>
-              <a:t>2023/1/11</a:t>
+              <a:t>2023/1/20</a:t>
             </a:fld>
             <a:endParaRPr lang="zh-TW" altLang="en-US"/>
           </a:p>
@@ -5290,7 +5290,7 @@
           <a:p>
             <a:fld id="{9B46C10D-A24A-482F-BF52-361C63C07CF5}" type="datetime1">
               <a:rPr lang="zh-TW" altLang="en-US" smtClean="0"/>
-              <a:t>2023/1/11</a:t>
+              <a:t>2023/1/20</a:t>
             </a:fld>
             <a:endParaRPr lang="zh-TW" altLang="en-US"/>
           </a:p>
@@ -5503,7 +5503,7 @@
           <a:p>
             <a:fld id="{B5FF5A11-6566-4377-BF5B-65674C89971F}" type="datetime1">
               <a:rPr lang="zh-TW" altLang="en-US" smtClean="0"/>
-              <a:t>2023/1/11</a:t>
+              <a:t>2023/1/20</a:t>
             </a:fld>
             <a:endParaRPr lang="zh-TW" altLang="en-US"/>
           </a:p>
@@ -6062,18 +6062,32 @@
               <a:t>指導老師</a:t>
             </a:r>
             <a:r>
-              <a:rPr lang="en-US" altLang="zh-TW" dirty="0">
+              <a:rPr lang="en-US" altLang="zh-TW">
                 <a:latin typeface="標楷體" panose="03000509000000000000" pitchFamily="65" charset="-120"/>
                 <a:ea typeface="標楷體" panose="03000509000000000000" pitchFamily="65" charset="-120"/>
               </a:rPr>
               <a:t>:</a:t>
             </a:r>
             <a:r>
-              <a:rPr lang="zh-TW" altLang="en-US" dirty="0">
-                <a:latin typeface="標楷體" panose="03000509000000000000" pitchFamily="65" charset="-120"/>
-                <a:ea typeface="標楷體" panose="03000509000000000000" pitchFamily="65" charset="-120"/>
-              </a:rPr>
-              <a:t>陳朝列教授</a:t>
+              <a:rPr lang="zh-TW" altLang="en-US" smtClean="0">
+                <a:latin typeface="標楷體" panose="03000509000000000000" pitchFamily="65" charset="-120"/>
+                <a:ea typeface="標楷體" panose="03000509000000000000" pitchFamily="65" charset="-120"/>
+              </a:rPr>
+              <a:t>陳</a:t>
+            </a:r>
+            <a:r>
+              <a:rPr lang="zh-TW" altLang="en-US">
+                <a:latin typeface="標楷體" panose="03000509000000000000" pitchFamily="65" charset="-120"/>
+                <a:ea typeface="標楷體" panose="03000509000000000000" pitchFamily="65" charset="-120"/>
+              </a:rPr>
+              <a:t>朝烈</a:t>
+            </a:r>
+            <a:r>
+              <a:rPr lang="zh-TW" altLang="en-US" smtClean="0">
+                <a:latin typeface="標楷體" panose="03000509000000000000" pitchFamily="65" charset="-120"/>
+                <a:ea typeface="標楷體" panose="03000509000000000000" pitchFamily="65" charset="-120"/>
+              </a:rPr>
+              <a:t>教授</a:t>
             </a:r>
             <a:endParaRPr lang="en-US" altLang="zh-TW" dirty="0">
               <a:latin typeface="標楷體" panose="03000509000000000000" pitchFamily="65" charset="-120"/>
@@ -7708,6 +7722,7 @@
               <a:rPr lang="en-US" altLang="zh-TW" smtClean="0">
                 <a:latin typeface="標楷體" panose="03000509000000000000" pitchFamily="65" charset="-120"/>
                 <a:ea typeface="標楷體" panose="03000509000000000000" pitchFamily="65" charset="-120"/>
+                <a:hlinkClick r:id="rId2"/>
               </a:rPr>
               <a:t>YT</a:t>
             </a:r>
@@ -7715,6 +7730,7 @@
               <a:rPr lang="zh-TW" altLang="en-US" smtClean="0">
                 <a:latin typeface="標楷體" panose="03000509000000000000" pitchFamily="65" charset="-120"/>
                 <a:ea typeface="標楷體" panose="03000509000000000000" pitchFamily="65" charset="-120"/>
+                <a:hlinkClick r:id="rId2"/>
               </a:rPr>
               <a:t>影片連結</a:t>
             </a:r>
@@ -8025,14 +8041,7 @@
                 <a:latin typeface="標楷體" panose="03000509000000000000" pitchFamily="65" charset="-120"/>
                 <a:ea typeface="標楷體" panose="03000509000000000000" pitchFamily="65" charset="-120"/>
               </a:rPr>
-              <a:t>負責</a:t>
-            </a:r>
-            <a:r>
-              <a:rPr lang="zh-TW" altLang="en-US">
-                <a:latin typeface="標楷體" panose="03000509000000000000" pitchFamily="65" charset="-120"/>
-                <a:ea typeface="標楷體" panose="03000509000000000000" pitchFamily="65" charset="-120"/>
-              </a:rPr>
-              <a:t>部分</a:t>
+              <a:t>負責部分</a:t>
             </a:r>
             <a:r>
               <a:rPr lang="zh-TW" altLang="en-US" smtClean="0">
@@ -8052,14 +8061,7 @@
                 <a:latin typeface="標楷體" panose="03000509000000000000" pitchFamily="65" charset="-120"/>
                 <a:ea typeface="標楷體" panose="03000509000000000000" pitchFamily="65" charset="-120"/>
               </a:rPr>
-              <a:t>曾梓維：</a:t>
-            </a:r>
-            <a:r>
-              <a:rPr lang="zh-TW" altLang="en-US">
-                <a:latin typeface="標楷體" panose="03000509000000000000" pitchFamily="65" charset="-120"/>
-                <a:ea typeface="標楷體" panose="03000509000000000000" pitchFamily="65" charset="-120"/>
-              </a:rPr>
-              <a:t>程式碼</a:t>
+              <a:t>曾梓維：程式碼</a:t>
             </a:r>
             <a:r>
               <a:rPr lang="zh-TW" altLang="en-US" smtClean="0">
@@ -8093,14 +8095,7 @@
                 <a:latin typeface="標楷體" panose="03000509000000000000" pitchFamily="65" charset="-120"/>
                 <a:ea typeface="標楷體" panose="03000509000000000000" pitchFamily="65" charset="-120"/>
               </a:rPr>
-              <a:t>石凱</a:t>
-            </a:r>
-            <a:r>
-              <a:rPr lang="zh-TW" altLang="en-US">
-                <a:latin typeface="標楷體" panose="03000509000000000000" pitchFamily="65" charset="-120"/>
-                <a:ea typeface="標楷體" panose="03000509000000000000" pitchFamily="65" charset="-120"/>
-              </a:rPr>
-              <a:t>升</a:t>
+              <a:t>石凱升</a:t>
             </a:r>
             <a:r>
               <a:rPr lang="zh-TW" altLang="en-US" smtClean="0">
@@ -9723,6 +9718,7 @@
               <a:rPr lang="en-US" altLang="zh-TW" smtClean="0">
                 <a:latin typeface="標楷體" panose="03000509000000000000" pitchFamily="65" charset="-120"/>
                 <a:ea typeface="標楷體" panose="03000509000000000000" pitchFamily="65" charset="-120"/>
+                <a:hlinkClick r:id="rId2"/>
               </a:rPr>
               <a:t>YT</a:t>
             </a:r>
@@ -9730,6 +9726,7 @@
               <a:rPr lang="zh-TW" altLang="en-US" smtClean="0">
                 <a:latin typeface="標楷體" panose="03000509000000000000" pitchFamily="65" charset="-120"/>
                 <a:ea typeface="標楷體" panose="03000509000000000000" pitchFamily="65" charset="-120"/>
+                <a:hlinkClick r:id="rId2"/>
               </a:rPr>
               <a:t>影片連結</a:t>
             </a:r>
